--- a/ppt/7.Probability.pptx
+++ b/ppt/7.Probability.pptx
@@ -258,7 +258,7 @@
           <a:p>
             <a:fld id="{F26363E1-3D9D-4352-92DD-FA1C91534693}" type="datetimeFigureOut">
               <a:rPr lang="ko-KR" altLang="en-US" smtClean="0"/>
-              <a:t>2016-02-17</a:t>
+              <a:t>2017-05-10</a:t>
             </a:fld>
             <a:endParaRPr lang="ko-KR" altLang="en-US"/>
           </a:p>
@@ -428,7 +428,7 @@
           <a:p>
             <a:fld id="{F26363E1-3D9D-4352-92DD-FA1C91534693}" type="datetimeFigureOut">
               <a:rPr lang="ko-KR" altLang="en-US" smtClean="0"/>
-              <a:t>2016-02-17</a:t>
+              <a:t>2017-05-10</a:t>
             </a:fld>
             <a:endParaRPr lang="ko-KR" altLang="en-US"/>
           </a:p>
@@ -608,7 +608,7 @@
           <a:p>
             <a:fld id="{F26363E1-3D9D-4352-92DD-FA1C91534693}" type="datetimeFigureOut">
               <a:rPr lang="ko-KR" altLang="en-US" smtClean="0"/>
-              <a:t>2016-02-17</a:t>
+              <a:t>2017-05-10</a:t>
             </a:fld>
             <a:endParaRPr lang="ko-KR" altLang="en-US"/>
           </a:p>
@@ -778,7 +778,7 @@
           <a:p>
             <a:fld id="{F26363E1-3D9D-4352-92DD-FA1C91534693}" type="datetimeFigureOut">
               <a:rPr lang="ko-KR" altLang="en-US" smtClean="0"/>
-              <a:t>2016-02-17</a:t>
+              <a:t>2017-05-10</a:t>
             </a:fld>
             <a:endParaRPr lang="ko-KR" altLang="en-US"/>
           </a:p>
@@ -1024,7 +1024,7 @@
           <a:p>
             <a:fld id="{F26363E1-3D9D-4352-92DD-FA1C91534693}" type="datetimeFigureOut">
               <a:rPr lang="ko-KR" altLang="en-US" smtClean="0"/>
-              <a:t>2016-02-17</a:t>
+              <a:t>2017-05-10</a:t>
             </a:fld>
             <a:endParaRPr lang="ko-KR" altLang="en-US"/>
           </a:p>
@@ -1256,7 +1256,7 @@
           <a:p>
             <a:fld id="{F26363E1-3D9D-4352-92DD-FA1C91534693}" type="datetimeFigureOut">
               <a:rPr lang="ko-KR" altLang="en-US" smtClean="0"/>
-              <a:t>2016-02-17</a:t>
+              <a:t>2017-05-10</a:t>
             </a:fld>
             <a:endParaRPr lang="ko-KR" altLang="en-US"/>
           </a:p>
@@ -1623,7 +1623,7 @@
           <a:p>
             <a:fld id="{F26363E1-3D9D-4352-92DD-FA1C91534693}" type="datetimeFigureOut">
               <a:rPr lang="ko-KR" altLang="en-US" smtClean="0"/>
-              <a:t>2016-02-17</a:t>
+              <a:t>2017-05-10</a:t>
             </a:fld>
             <a:endParaRPr lang="ko-KR" altLang="en-US"/>
           </a:p>
@@ -1741,7 +1741,7 @@
           <a:p>
             <a:fld id="{F26363E1-3D9D-4352-92DD-FA1C91534693}" type="datetimeFigureOut">
               <a:rPr lang="ko-KR" altLang="en-US" smtClean="0"/>
-              <a:t>2016-02-17</a:t>
+              <a:t>2017-05-10</a:t>
             </a:fld>
             <a:endParaRPr lang="ko-KR" altLang="en-US"/>
           </a:p>
@@ -1836,7 +1836,7 @@
           <a:p>
             <a:fld id="{F26363E1-3D9D-4352-92DD-FA1C91534693}" type="datetimeFigureOut">
               <a:rPr lang="ko-KR" altLang="en-US" smtClean="0"/>
-              <a:t>2016-02-17</a:t>
+              <a:t>2017-05-10</a:t>
             </a:fld>
             <a:endParaRPr lang="ko-KR" altLang="en-US"/>
           </a:p>
@@ -2113,7 +2113,7 @@
           <a:p>
             <a:fld id="{F26363E1-3D9D-4352-92DD-FA1C91534693}" type="datetimeFigureOut">
               <a:rPr lang="ko-KR" altLang="en-US" smtClean="0"/>
-              <a:t>2016-02-17</a:t>
+              <a:t>2017-05-10</a:t>
             </a:fld>
             <a:endParaRPr lang="ko-KR" altLang="en-US"/>
           </a:p>
@@ -2366,7 +2366,7 @@
           <a:p>
             <a:fld id="{F26363E1-3D9D-4352-92DD-FA1C91534693}" type="datetimeFigureOut">
               <a:rPr lang="ko-KR" altLang="en-US" smtClean="0"/>
-              <a:t>2016-02-17</a:t>
+              <a:t>2017-05-10</a:t>
             </a:fld>
             <a:endParaRPr lang="ko-KR" altLang="en-US"/>
           </a:p>
@@ -2579,7 +2579,7 @@
           <a:p>
             <a:fld id="{F26363E1-3D9D-4352-92DD-FA1C91534693}" type="datetimeFigureOut">
               <a:rPr lang="ko-KR" altLang="en-US" smtClean="0"/>
-              <a:t>2016-02-17</a:t>
+              <a:t>2017-05-10</a:t>
             </a:fld>
             <a:endParaRPr lang="ko-KR" altLang="en-US"/>
           </a:p>
@@ -3079,8 +3079,8 @@
           </a:p>
         </p:txBody>
       </p:sp>
-      <mc:AlternateContent xmlns:mc="http://schemas.openxmlformats.org/markup-compatibility/2006">
-        <mc:Choice xmlns:a14="http://schemas.microsoft.com/office/drawing/2010/main" Requires="a14">
+      <mc:AlternateContent xmlns:mc="http://schemas.openxmlformats.org/markup-compatibility/2006" xmlns:a14="http://schemas.microsoft.com/office/drawing/2010/main">
+        <mc:Choice Requires="a14">
           <p:sp>
             <p:nvSpPr>
               <p:cNvPr id="3" name="내용 개체 틀 2"/>
@@ -3406,7 +3406,7 @@
             </p:txBody>
           </p:sp>
         </mc:Choice>
-        <mc:Fallback>
+        <mc:Fallback xmlns="">
           <p:sp>
             <p:nvSpPr>
               <p:cNvPr id="3" name="내용 개체 틀 2"/>
@@ -3493,8 +3493,8 @@
           </a:p>
         </p:txBody>
       </p:sp>
-      <mc:AlternateContent xmlns:mc="http://schemas.openxmlformats.org/markup-compatibility/2006">
-        <mc:Choice xmlns:a14="http://schemas.microsoft.com/office/drawing/2010/main" Requires="a14">
+      <mc:AlternateContent xmlns:mc="http://schemas.openxmlformats.org/markup-compatibility/2006" xmlns:a14="http://schemas.microsoft.com/office/drawing/2010/main">
+        <mc:Choice Requires="a14">
           <p:sp>
             <p:nvSpPr>
               <p:cNvPr id="3" name="내용 개체 틀 2"/>
@@ -3909,7 +3909,7 @@
             </p:txBody>
           </p:sp>
         </mc:Choice>
-        <mc:Fallback>
+        <mc:Fallback xmlns="">
           <p:sp>
             <p:nvSpPr>
               <p:cNvPr id="3" name="내용 개체 틀 2"/>
@@ -4217,8 +4217,8 @@
           </a:p>
         </p:txBody>
       </p:sp>
-      <mc:AlternateContent xmlns:mc="http://schemas.openxmlformats.org/markup-compatibility/2006">
-        <mc:Choice xmlns:a14="http://schemas.microsoft.com/office/drawing/2010/main" Requires="a14">
+      <mc:AlternateContent xmlns:mc="http://schemas.openxmlformats.org/markup-compatibility/2006" xmlns:a14="http://schemas.microsoft.com/office/drawing/2010/main">
+        <mc:Choice Requires="a14">
           <p:sp>
             <p:nvSpPr>
               <p:cNvPr id="3" name="내용 개체 틀 2"/>
@@ -4776,7 +4776,7 @@
             </p:txBody>
           </p:sp>
         </mc:Choice>
-        <mc:Fallback>
+        <mc:Fallback xmlns="">
           <p:sp>
             <p:nvSpPr>
               <p:cNvPr id="3" name="내용 개체 틀 2"/>
@@ -4821,14 +4821,14 @@
               <p:nvPr>
                 <p:extLst>
                   <p:ext uri="{D42A27DB-BD31-4B8C-83A1-F6EECF244321}">
-                    <p14:modId xmlns:p14="http://schemas.microsoft.com/office/powerpoint/2010/main" val="2849718255"/>
+                    <p14:modId xmlns:p14="http://schemas.microsoft.com/office/powerpoint/2010/main" val="3024364417"/>
                   </p:ext>
                 </p:extLst>
               </p:nvPr>
             </p:nvGraphicFramePr>
             <p:xfrm>
               <a:off x="1497925" y="3632799"/>
-              <a:ext cx="7735086" cy="1341120"/>
+              <a:ext cx="7735086" cy="1343914"/>
             </p:xfrm>
             <a:graphic>
               <a:graphicData uri="http://schemas.openxmlformats.org/drawingml/2006/table">
@@ -5492,7 +5492,14 @@
                                         <a:latin typeface="Cambria Math" panose="02040503050406030204" pitchFamily="18" charset="0"/>
                                         <a:ea typeface="Cambria Math" panose="02040503050406030204" pitchFamily="18" charset="0"/>
                                       </a:rPr>
-                                      <m:t>−3</m:t>
+                                      <m:t>−</m:t>
+                                    </m:r>
+                                    <m:r>
+                                      <a:rPr lang="en-US" altLang="ko-KR" sz="1600" b="0" i="1" smtClean="0">
+                                        <a:latin typeface="Cambria Math" panose="02040503050406030204" pitchFamily="18" charset="0"/>
+                                        <a:ea typeface="Cambria Math" panose="02040503050406030204" pitchFamily="18" charset="0"/>
+                                      </a:rPr>
+                                      <m:t>5</m:t>
                                     </m:r>
                                   </m:sup>
                                 </m:sSup>
@@ -5569,7 +5576,14 @@
                                         <a:latin typeface="Cambria Math" panose="02040503050406030204" pitchFamily="18" charset="0"/>
                                         <a:ea typeface="Cambria Math" panose="02040503050406030204" pitchFamily="18" charset="0"/>
                                       </a:rPr>
-                                      <m:t>−3</m:t>
+                                      <m:t>−</m:t>
+                                    </m:r>
+                                    <m:r>
+                                      <a:rPr lang="en-US" altLang="ko-KR" sz="1600" b="0" i="1" smtClean="0">
+                                        <a:latin typeface="Cambria Math" panose="02040503050406030204" pitchFamily="18" charset="0"/>
+                                        <a:ea typeface="Cambria Math" panose="02040503050406030204" pitchFamily="18" charset="0"/>
+                                      </a:rPr>
+                                      <m:t>6</m:t>
                                     </m:r>
                                   </m:sup>
                                 </m:sSup>
@@ -5597,14 +5611,14 @@
               <p:nvPr>
                 <p:extLst>
                   <p:ext uri="{D42A27DB-BD31-4B8C-83A1-F6EECF244321}">
-                    <p14:modId xmlns:p14="http://schemas.microsoft.com/office/powerpoint/2010/main" val="2849718255"/>
+                    <p14:modId xmlns:p14="http://schemas.microsoft.com/office/powerpoint/2010/main" val="3024364417"/>
                   </p:ext>
                 </p:extLst>
               </p:nvPr>
             </p:nvGraphicFramePr>
             <p:xfrm>
               <a:off x="1497925" y="3632799"/>
-              <a:ext cx="7735086" cy="1341120"/>
+              <a:ext cx="7735086" cy="1343914"/>
             </p:xfrm>
             <a:graphic>
               <a:graphicData uri="http://schemas.openxmlformats.org/drawingml/2006/table">
@@ -5770,7 +5784,7 @@
                       </a:tcPr>
                     </a:tc>
                   </a:tr>
-                  <a:tr h="335280">
+                  <a:tr h="338074">
                     <a:tc>
                       <a:txBody>
                         <a:bodyPr/>
@@ -5783,7 +5797,7 @@
                         <a:blipFill rotWithShape="0">
                           <a:blip r:embed="rId3"/>
                           <a:stretch>
-                            <a:fillRect l="-236" t="-303636" r="-201182" b="-5455"/>
+                            <a:fillRect l="-236" t="-298214" r="-201182" b="-3571"/>
                           </a:stretch>
                         </a:blipFill>
                       </a:tcPr>
@@ -5800,7 +5814,7 @@
                         <a:blipFill rotWithShape="0">
                           <a:blip r:embed="rId3"/>
                           <a:stretch>
-                            <a:fillRect l="-100000" t="-303636" r="-100708" b="-5455"/>
+                            <a:fillRect l="-100000" t="-298214" r="-100708" b="-3571"/>
                           </a:stretch>
                         </a:blipFill>
                       </a:tcPr>
@@ -5817,7 +5831,7 @@
                         <a:blipFill rotWithShape="0">
                           <a:blip r:embed="rId3"/>
                           <a:stretch>
-                            <a:fillRect l="-200473" t="-303636" r="-946" b="-5455"/>
+                            <a:fillRect l="-200473" t="-298214" r="-946" b="-3571"/>
                           </a:stretch>
                         </a:blipFill>
                       </a:tcPr>
@@ -5882,8 +5896,8 @@
           </a:p>
         </p:txBody>
       </p:sp>
-      <mc:AlternateContent xmlns:mc="http://schemas.openxmlformats.org/markup-compatibility/2006">
-        <mc:Choice xmlns:a14="http://schemas.microsoft.com/office/drawing/2010/main" Requires="a14">
+      <mc:AlternateContent xmlns:mc="http://schemas.openxmlformats.org/markup-compatibility/2006" xmlns:a14="http://schemas.microsoft.com/office/drawing/2010/main">
+        <mc:Choice Requires="a14">
           <p:sp>
             <p:nvSpPr>
               <p:cNvPr id="3" name="내용 개체 틀 2"/>
@@ -6014,11 +6028,7 @@
               <a:p>
                 <a:r>
                   <a:rPr lang="en-US" altLang="ko-KR" dirty="0" smtClean="0"/>
-                  <a:t>or equivalently, if</a:t>
-                </a:r>
-                <a:r>
-                  <a:rPr lang="en-US" altLang="ko-KR" dirty="0" smtClean="0"/>
-                  <a:t> </a:t>
+                  <a:t>or equivalently, if </a:t>
                 </a:r>
                 <a14:m>
                   <m:oMath xmlns:m="http://schemas.openxmlformats.org/officeDocument/2006/math">
@@ -6325,7 +6335,7 @@
             </p:txBody>
           </p:sp>
         </mc:Choice>
-        <mc:Fallback>
+        <mc:Fallback xmlns="">
           <p:sp>
             <p:nvSpPr>
               <p:cNvPr id="3" name="내용 개체 틀 2"/>
@@ -6412,8 +6422,8 @@
           </a:p>
         </p:txBody>
       </p:sp>
-      <mc:AlternateContent xmlns:mc="http://schemas.openxmlformats.org/markup-compatibility/2006">
-        <mc:Choice xmlns:a14="http://schemas.microsoft.com/office/drawing/2010/main" Requires="a14">
+      <mc:AlternateContent xmlns:mc="http://schemas.openxmlformats.org/markup-compatibility/2006" xmlns:a14="http://schemas.microsoft.com/office/drawing/2010/main">
+        <mc:Choice Requires="a14">
           <p:sp>
             <p:nvSpPr>
               <p:cNvPr id="3" name="내용 개체 틀 2"/>
@@ -7414,7 +7424,7 @@
             </p:txBody>
           </p:sp>
         </mc:Choice>
-        <mc:Fallback>
+        <mc:Fallback xmlns="">
           <p:sp>
             <p:nvSpPr>
               <p:cNvPr id="3" name="내용 개체 틀 2"/>
@@ -7501,8 +7511,8 @@
           </a:p>
         </p:txBody>
       </p:sp>
-      <mc:AlternateContent xmlns:mc="http://schemas.openxmlformats.org/markup-compatibility/2006">
-        <mc:Choice xmlns:a14="http://schemas.microsoft.com/office/drawing/2010/main" Requires="a14">
+      <mc:AlternateContent xmlns:mc="http://schemas.openxmlformats.org/markup-compatibility/2006" xmlns:a14="http://schemas.microsoft.com/office/drawing/2010/main">
+        <mc:Choice Requires="a14">
           <p:sp>
             <p:nvSpPr>
               <p:cNvPr id="3" name="내용 개체 틀 2"/>
@@ -7751,11 +7761,7 @@
               <a:p>
                 <a:r>
                   <a:rPr lang="en-US" altLang="ko-KR" dirty="0" smtClean="0"/>
-                  <a:t>Bayes’ theorem is used to find conditional probability</a:t>
-                </a:r>
-                <a:r>
-                  <a:rPr lang="en-US" altLang="ko-KR" dirty="0" smtClean="0"/>
-                  <a:t> </a:t>
+                  <a:t>Bayes’ theorem is used to find conditional probability </a:t>
                 </a:r>
                 <a14:m>
                   <m:oMath xmlns:m="http://schemas.openxmlformats.org/officeDocument/2006/math">
@@ -8506,7 +8512,7 @@
             </p:txBody>
           </p:sp>
         </mc:Choice>
-        <mc:Fallback>
+        <mc:Fallback xmlns="">
           <p:sp>
             <p:nvSpPr>
               <p:cNvPr id="3" name="내용 개체 틀 2"/>
@@ -8593,8 +8599,8 @@
           </a:p>
         </p:txBody>
       </p:sp>
-      <mc:AlternateContent xmlns:mc="http://schemas.openxmlformats.org/markup-compatibility/2006">
-        <mc:Choice xmlns:a14="http://schemas.microsoft.com/office/drawing/2010/main" Requires="a14">
+      <mc:AlternateContent xmlns:mc="http://schemas.openxmlformats.org/markup-compatibility/2006" xmlns:a14="http://schemas.microsoft.com/office/drawing/2010/main">
+        <mc:Choice Requires="a14">
           <p:sp>
             <p:nvSpPr>
               <p:cNvPr id="3" name="내용 개체 틀 2"/>
@@ -8629,11 +8635,7 @@
               <a:p>
                 <a:r>
                   <a:rPr lang="en-US" altLang="ko-KR" spc="-150" dirty="0" smtClean="0"/>
-                  <a:t>What is the chance of having a cancer given a positive test result</a:t>
-                </a:r>
-                <a:r>
-                  <a:rPr lang="en-US" altLang="ko-KR" spc="-150" dirty="0" smtClean="0"/>
-                  <a:t> </a:t>
+                  <a:t>What is the chance of having a cancer given a positive test result </a:t>
                 </a:r>
                 <a14:m>
                   <m:oMath xmlns:m="http://schemas.openxmlformats.org/officeDocument/2006/math">
@@ -9192,7 +9194,7 @@
             </p:txBody>
           </p:sp>
         </mc:Choice>
-        <mc:Fallback>
+        <mc:Fallback xmlns="">
           <p:sp>
             <p:nvSpPr>
               <p:cNvPr id="3" name="내용 개체 틀 2"/>
@@ -9226,8 +9228,8 @@
           </p:sp>
         </mc:Fallback>
       </mc:AlternateContent>
-      <mc:AlternateContent xmlns:mc="http://schemas.openxmlformats.org/markup-compatibility/2006">
-        <mc:Choice xmlns:a14="http://schemas.microsoft.com/office/drawing/2010/main" Requires="a14">
+      <mc:AlternateContent xmlns:mc="http://schemas.openxmlformats.org/markup-compatibility/2006" xmlns:a14="http://schemas.microsoft.com/office/drawing/2010/main">
+        <mc:Choice Requires="a14">
           <p:graphicFrame>
             <p:nvGraphicFramePr>
               <p:cNvPr id="4" name="표 3"/>
@@ -9723,7 +9725,7 @@
             </a:graphic>
           </p:graphicFrame>
         </mc:Choice>
-        <mc:Fallback>
+        <mc:Fallback xmlns="">
           <p:graphicFrame>
             <p:nvGraphicFramePr>
               <p:cNvPr id="4" name="표 3"/>
@@ -11131,8 +11133,8 @@
           </a:p>
         </p:txBody>
       </p:sp>
-      <mc:AlternateContent xmlns:mc="http://schemas.openxmlformats.org/markup-compatibility/2006">
-        <mc:Choice xmlns:a14="http://schemas.microsoft.com/office/drawing/2010/main" Requires="a14">
+      <mc:AlternateContent xmlns:mc="http://schemas.openxmlformats.org/markup-compatibility/2006" xmlns:a14="http://schemas.microsoft.com/office/drawing/2010/main">
+        <mc:Choice Requires="a14">
           <p:sp>
             <p:nvSpPr>
               <p:cNvPr id="3" name="내용 개체 틀 2"/>
@@ -11397,7 +11399,7 @@
             </p:txBody>
           </p:sp>
         </mc:Choice>
-        <mc:Fallback>
+        <mc:Fallback xmlns="">
           <p:sp>
             <p:nvSpPr>
               <p:cNvPr id="3" name="내용 개체 틀 2"/>
@@ -11484,8 +11486,8 @@
           </a:p>
         </p:txBody>
       </p:sp>
-      <mc:AlternateContent xmlns:mc="http://schemas.openxmlformats.org/markup-compatibility/2006">
-        <mc:Choice xmlns:a14="http://schemas.microsoft.com/office/drawing/2010/main" Requires="a14">
+      <mc:AlternateContent xmlns:mc="http://schemas.openxmlformats.org/markup-compatibility/2006" xmlns:a14="http://schemas.microsoft.com/office/drawing/2010/main">
+        <mc:Choice Requires="a14">
           <p:sp>
             <p:nvSpPr>
               <p:cNvPr id="3" name="내용 개체 틀 2"/>
@@ -11942,7 +11944,7 @@
             </p:txBody>
           </p:sp>
         </mc:Choice>
-        <mc:Fallback>
+        <mc:Fallback xmlns="">
           <p:sp>
             <p:nvSpPr>
               <p:cNvPr id="3" name="내용 개체 틀 2"/>
@@ -12084,26 +12086,14 @@
             <a:pPr lvl="1"/>
             <a:r>
               <a:rPr lang="en-US" altLang="ko-KR" spc="-150" dirty="0" smtClean="0"/>
-              <a:t>If the die is unfair so that the number six was twice as likely to </a:t>
-            </a:r>
-            <a:r>
-              <a:rPr lang="en-US" altLang="ko-KR" spc="-150" dirty="0" smtClean="0"/>
-              <a:t>appear</a:t>
-            </a:r>
-            <a:r>
-              <a:rPr lang="en-US" altLang="ko-KR" spc="-150" dirty="0" smtClean="0"/>
-              <a:t>, then</a:t>
-            </a:r>
-            <a:r>
-              <a:rPr lang="en-US" altLang="ko-KR" spc="-150" dirty="0" smtClean="0"/>
-              <a:t>:</a:t>
+              <a:t>If the die is unfair so that the number six was twice as likely to appear, then:</a:t>
             </a:r>
             <a:endParaRPr lang="ko-KR" altLang="en-US" dirty="0"/>
           </a:p>
         </p:txBody>
       </p:sp>
-      <mc:AlternateContent xmlns:mc="http://schemas.openxmlformats.org/markup-compatibility/2006">
-        <mc:Choice xmlns:a14="http://schemas.microsoft.com/office/drawing/2010/main" Requires="a14">
+      <mc:AlternateContent xmlns:mc="http://schemas.openxmlformats.org/markup-compatibility/2006" xmlns:a14="http://schemas.microsoft.com/office/drawing/2010/main">
+        <mc:Choice Requires="a14">
           <p:graphicFrame>
             <p:nvGraphicFramePr>
               <p:cNvPr id="4" name="표 3"/>
@@ -12386,7 +12376,7 @@
             </a:graphic>
           </p:graphicFrame>
         </mc:Choice>
-        <mc:Fallback>
+        <mc:Fallback xmlns="">
           <p:graphicFrame>
             <p:nvGraphicFramePr>
               <p:cNvPr id="4" name="표 3"/>
@@ -12658,8 +12648,8 @@
           </p:graphicFrame>
         </mc:Fallback>
       </mc:AlternateContent>
-      <mc:AlternateContent xmlns:mc="http://schemas.openxmlformats.org/markup-compatibility/2006">
-        <mc:Choice xmlns:a14="http://schemas.microsoft.com/office/drawing/2010/main" Requires="a14">
+      <mc:AlternateContent xmlns:mc="http://schemas.openxmlformats.org/markup-compatibility/2006" xmlns:a14="http://schemas.microsoft.com/office/drawing/2010/main">
+        <mc:Choice Requires="a14">
           <p:graphicFrame>
             <p:nvGraphicFramePr>
               <p:cNvPr id="6" name="표 5"/>
@@ -12819,11 +12809,7 @@
                           </a14:m>
                           <a:r>
                             <a:rPr lang="en-US" altLang="ko-KR" dirty="0" smtClean="0"/>
-                            <a:t>_</a:t>
-                          </a:r>
-                          <a:r>
-                            <a:rPr lang="en-US" altLang="ko-KR" dirty="0" smtClean="0"/>
-                            <a:t>unfair({x})</a:t>
+                            <a:t>_unfair({x})</a:t>
                           </a:r>
                           <a:endParaRPr lang="ko-KR" altLang="en-US" dirty="0"/>
                         </a:p>
@@ -12942,7 +12928,7 @@
             </a:graphic>
           </p:graphicFrame>
         </mc:Choice>
-        <mc:Fallback>
+        <mc:Fallback xmlns="">
           <p:graphicFrame>
             <p:nvGraphicFramePr>
               <p:cNvPr id="6" name="표 5"/>
@@ -13267,8 +13253,8 @@
           </a:p>
         </p:txBody>
       </p:sp>
-      <mc:AlternateContent xmlns:mc="http://schemas.openxmlformats.org/markup-compatibility/2006">
-        <mc:Choice xmlns:a14="http://schemas.microsoft.com/office/drawing/2010/main" Requires="a14">
+      <mc:AlternateContent xmlns:mc="http://schemas.openxmlformats.org/markup-compatibility/2006" xmlns:a14="http://schemas.microsoft.com/office/drawing/2010/main">
+        <mc:Choice Requires="a14">
           <p:sp>
             <p:nvSpPr>
               <p:cNvPr id="3" name="내용 개체 틀 2"/>
@@ -13578,7 +13564,7 @@
             </p:txBody>
           </p:sp>
         </mc:Choice>
-        <mc:Fallback>
+        <mc:Fallback xmlns="">
           <p:sp>
             <p:nvSpPr>
               <p:cNvPr id="3" name="내용 개체 틀 2"/>
@@ -13665,8 +13651,8 @@
           </a:p>
         </p:txBody>
       </p:sp>
-      <mc:AlternateContent xmlns:mc="http://schemas.openxmlformats.org/markup-compatibility/2006">
-        <mc:Choice xmlns:a14="http://schemas.microsoft.com/office/drawing/2010/main" Requires="a14">
+      <mc:AlternateContent xmlns:mc="http://schemas.openxmlformats.org/markup-compatibility/2006" xmlns:a14="http://schemas.microsoft.com/office/drawing/2010/main">
+        <mc:Choice Requires="a14">
           <p:sp>
             <p:nvSpPr>
               <p:cNvPr id="3" name="내용 개체 틀 2"/>
@@ -13703,11 +13689,7 @@
               <a:p>
                 <a:r>
                   <a:rPr lang="en-US" altLang="ko-KR" dirty="0" smtClean="0"/>
-                  <a:t>From a sequence of independent trials, to get</a:t>
-                </a:r>
-                <a:r>
-                  <a:rPr lang="en-US" altLang="ko-KR" dirty="0" smtClean="0"/>
-                  <a:t> </a:t>
+                  <a:t>From a sequence of independent trials, to get </a:t>
                 </a:r>
                 <a14:m>
                   <m:oMath xmlns:m="http://schemas.openxmlformats.org/officeDocument/2006/math">
@@ -14526,7 +14508,7 @@
             </p:txBody>
           </p:sp>
         </mc:Choice>
-        <mc:Fallback>
+        <mc:Fallback xmlns="">
           <p:sp>
             <p:nvSpPr>
               <p:cNvPr id="3" name="내용 개체 틀 2"/>
@@ -14613,8 +14595,8 @@
           </a:p>
         </p:txBody>
       </p:sp>
-      <mc:AlternateContent xmlns:mc="http://schemas.openxmlformats.org/markup-compatibility/2006">
-        <mc:Choice xmlns:a14="http://schemas.microsoft.com/office/drawing/2010/main" Requires="a14">
+      <mc:AlternateContent xmlns:mc="http://schemas.openxmlformats.org/markup-compatibility/2006" xmlns:a14="http://schemas.microsoft.com/office/drawing/2010/main">
+        <mc:Choice Requires="a14">
           <p:sp>
             <p:nvSpPr>
               <p:cNvPr id="3" name="내용 개체 틀 2"/>
@@ -15038,7 +15020,7 @@
             </p:txBody>
           </p:sp>
         </mc:Choice>
-        <mc:Fallback>
+        <mc:Fallback xmlns="">
           <p:sp>
             <p:nvSpPr>
               <p:cNvPr id="3" name="내용 개체 틀 2"/>
